--- a/Creature’s Parade.pptx
+++ b/Creature’s Parade.pptx
@@ -8,6 +8,11 @@
     <p:sldId id="256" r:id="rId2"/>
     <p:sldId id="257" r:id="rId3"/>
     <p:sldId id="258" r:id="rId4"/>
+    <p:sldId id="259" r:id="rId5"/>
+    <p:sldId id="260" r:id="rId6"/>
+    <p:sldId id="261" r:id="rId7"/>
+    <p:sldId id="262" r:id="rId8"/>
+    <p:sldId id="263" r:id="rId9"/>
   </p:sldIdLst>
   <p:sldSz cx="12192000" cy="6858000"/>
   <p:notesSz cx="6858000" cy="9144000"/>
@@ -245,7 +250,7 @@
           <a:p>
             <a:fld id="{4A98BFBA-9961-4A15-812F-D576169ED5D1}" type="datetimeFigureOut">
               <a:rPr kumimoji="1" lang="ja-JP" altLang="en-US" smtClean="0"/>
-              <a:t>2022/10/25</a:t>
+              <a:t>2023/1/10</a:t>
             </a:fld>
             <a:endParaRPr kumimoji="1" lang="ja-JP" altLang="en-US"/>
           </a:p>
@@ -447,7 +452,7 @@
           <a:p>
             <a:fld id="{4A98BFBA-9961-4A15-812F-D576169ED5D1}" type="datetimeFigureOut">
               <a:rPr kumimoji="1" lang="ja-JP" altLang="en-US" smtClean="0"/>
-              <a:t>2022/10/25</a:t>
+              <a:t>2023/1/10</a:t>
             </a:fld>
             <a:endParaRPr kumimoji="1" lang="ja-JP" altLang="en-US"/>
           </a:p>
@@ -659,7 +664,7 @@
           <a:p>
             <a:fld id="{4A98BFBA-9961-4A15-812F-D576169ED5D1}" type="datetimeFigureOut">
               <a:rPr kumimoji="1" lang="ja-JP" altLang="en-US" smtClean="0"/>
-              <a:t>2022/10/25</a:t>
+              <a:t>2023/1/10</a:t>
             </a:fld>
             <a:endParaRPr kumimoji="1" lang="ja-JP" altLang="en-US"/>
           </a:p>
@@ -861,7 +866,7 @@
           <a:p>
             <a:fld id="{4A98BFBA-9961-4A15-812F-D576169ED5D1}" type="datetimeFigureOut">
               <a:rPr kumimoji="1" lang="ja-JP" altLang="en-US" smtClean="0"/>
-              <a:t>2022/10/25</a:t>
+              <a:t>2023/1/10</a:t>
             </a:fld>
             <a:endParaRPr kumimoji="1" lang="ja-JP" altLang="en-US"/>
           </a:p>
@@ -1107,7 +1112,7 @@
           <a:p>
             <a:fld id="{4A98BFBA-9961-4A15-812F-D576169ED5D1}" type="datetimeFigureOut">
               <a:rPr kumimoji="1" lang="ja-JP" altLang="en-US" smtClean="0"/>
-              <a:t>2022/10/25</a:t>
+              <a:t>2023/1/10</a:t>
             </a:fld>
             <a:endParaRPr kumimoji="1" lang="ja-JP" altLang="en-US"/>
           </a:p>
@@ -1403,7 +1408,7 @@
           <a:p>
             <a:fld id="{4A98BFBA-9961-4A15-812F-D576169ED5D1}" type="datetimeFigureOut">
               <a:rPr kumimoji="1" lang="ja-JP" altLang="en-US" smtClean="0"/>
-              <a:t>2022/10/25</a:t>
+              <a:t>2023/1/10</a:t>
             </a:fld>
             <a:endParaRPr kumimoji="1" lang="ja-JP" altLang="en-US"/>
           </a:p>
@@ -1834,7 +1839,7 @@
           <a:p>
             <a:fld id="{4A98BFBA-9961-4A15-812F-D576169ED5D1}" type="datetimeFigureOut">
               <a:rPr kumimoji="1" lang="ja-JP" altLang="en-US" smtClean="0"/>
-              <a:t>2022/10/25</a:t>
+              <a:t>2023/1/10</a:t>
             </a:fld>
             <a:endParaRPr kumimoji="1" lang="ja-JP" altLang="en-US"/>
           </a:p>
@@ -1952,7 +1957,7 @@
           <a:p>
             <a:fld id="{4A98BFBA-9961-4A15-812F-D576169ED5D1}" type="datetimeFigureOut">
               <a:rPr kumimoji="1" lang="ja-JP" altLang="en-US" smtClean="0"/>
-              <a:t>2022/10/25</a:t>
+              <a:t>2023/1/10</a:t>
             </a:fld>
             <a:endParaRPr kumimoji="1" lang="ja-JP" altLang="en-US"/>
           </a:p>
@@ -2047,7 +2052,7 @@
           <a:p>
             <a:fld id="{4A98BFBA-9961-4A15-812F-D576169ED5D1}" type="datetimeFigureOut">
               <a:rPr kumimoji="1" lang="ja-JP" altLang="en-US" smtClean="0"/>
-              <a:t>2022/10/25</a:t>
+              <a:t>2023/1/10</a:t>
             </a:fld>
             <a:endParaRPr kumimoji="1" lang="ja-JP" altLang="en-US"/>
           </a:p>
@@ -2356,7 +2361,7 @@
           <a:p>
             <a:fld id="{4A98BFBA-9961-4A15-812F-D576169ED5D1}" type="datetimeFigureOut">
               <a:rPr kumimoji="1" lang="ja-JP" altLang="en-US" smtClean="0"/>
-              <a:t>2022/10/25</a:t>
+              <a:t>2023/1/10</a:t>
             </a:fld>
             <a:endParaRPr kumimoji="1" lang="ja-JP" altLang="en-US"/>
           </a:p>
@@ -2609,7 +2614,7 @@
           <a:p>
             <a:fld id="{4A98BFBA-9961-4A15-812F-D576169ED5D1}" type="datetimeFigureOut">
               <a:rPr kumimoji="1" lang="ja-JP" altLang="en-US" smtClean="0"/>
-              <a:t>2022/10/25</a:t>
+              <a:t>2023/1/10</a:t>
             </a:fld>
             <a:endParaRPr kumimoji="1" lang="ja-JP" altLang="en-US"/>
           </a:p>
@@ -2854,7 +2859,7 @@
           <a:p>
             <a:fld id="{4A98BFBA-9961-4A15-812F-D576169ED5D1}" type="datetimeFigureOut">
               <a:rPr kumimoji="1" lang="ja-JP" altLang="en-US" smtClean="0"/>
-              <a:t>2022/10/25</a:t>
+              <a:t>2023/1/10</a:t>
             </a:fld>
             <a:endParaRPr kumimoji="1" lang="ja-JP" altLang="en-US"/>
           </a:p>
@@ -3423,15 +3428,7 @@
           <a:p>
             <a:r>
               <a:rPr lang="ja-JP" altLang="en-US" dirty="0" smtClean="0"/>
-              <a:t>人々が古</a:t>
-            </a:r>
-            <a:r>
-              <a:rPr lang="ja-JP" altLang="en-US" dirty="0" smtClean="0"/>
-              <a:t>から妖怪や怪物</a:t>
-            </a:r>
-            <a:r>
-              <a:rPr lang="ja-JP" altLang="en-US" dirty="0" smtClean="0"/>
-              <a:t>を封じ込めてきた魔界（仮名）に追放される</a:t>
+              <a:t>人々が古から妖怪や怪物を封じ込めてきた魔界（仮名）に追放される</a:t>
             </a:r>
             <a:endParaRPr lang="en-US" altLang="ja-JP" dirty="0" smtClean="0"/>
           </a:p>
@@ -3940,6 +3937,1606 @@
   <p:clrMapOvr>
     <a:masterClrMapping/>
   </p:clrMapOvr>
+</p:sld>
+</file>
+
+<file path=ppt/slides/slide4.xml><?xml version="1.0" encoding="utf-8"?>
+<p:sld xmlns:a="http://schemas.openxmlformats.org/drawingml/2006/main" xmlns:r="http://schemas.openxmlformats.org/officeDocument/2006/relationships" xmlns:p="http://schemas.openxmlformats.org/presentationml/2006/main">
+  <p:cSld>
+    <p:spTree>
+      <p:nvGrpSpPr>
+        <p:cNvPr id="1" name=""/>
+        <p:cNvGrpSpPr/>
+        <p:nvPr/>
+      </p:nvGrpSpPr>
+      <p:grpSpPr>
+        <a:xfrm>
+          <a:off x="0" y="0"/>
+          <a:ext cx="0" cy="0"/>
+          <a:chOff x="0" y="0"/>
+          <a:chExt cx="0" cy="0"/>
+        </a:xfrm>
+      </p:grpSpPr>
+      <p:sp>
+        <p:nvSpPr>
+          <p:cNvPr id="2" name="テキスト ボックス 1"/>
+          <p:cNvSpPr txBox="1"/>
+          <p:nvPr/>
+        </p:nvSpPr>
+        <p:spPr>
+          <a:xfrm>
+            <a:off x="4376693" y="2752077"/>
+            <a:ext cx="2432480" cy="769441"/>
+          </a:xfrm>
+          <a:prstGeom prst="rect">
+            <a:avLst/>
+          </a:prstGeom>
+          <a:noFill/>
+        </p:spPr>
+        <p:txBody>
+          <a:bodyPr wrap="square" rtlCol="0">
+            <a:spAutoFit/>
+          </a:bodyPr>
+          <a:lstStyle/>
+          <a:p>
+            <a:r>
+              <a:rPr kumimoji="1" lang="ja-JP" altLang="en-US" sz="4400" dirty="0" smtClean="0"/>
+              <a:t>タイトル</a:t>
+            </a:r>
+            <a:endParaRPr kumimoji="1" lang="ja-JP" altLang="en-US" sz="4400" dirty="0"/>
+          </a:p>
+        </p:txBody>
+      </p:sp>
+    </p:spTree>
+    <p:extLst>
+      <p:ext uri="{BB962C8B-B14F-4D97-AF65-F5344CB8AC3E}">
+        <p14:creationId xmlns:p14="http://schemas.microsoft.com/office/powerpoint/2010/main" val="2713743619"/>
+      </p:ext>
+    </p:extLst>
+  </p:cSld>
+  <p:clrMapOvr>
+    <a:masterClrMapping/>
+  </p:clrMapOvr>
+</p:sld>
+</file>
+
+<file path=ppt/slides/slide5.xml><?xml version="1.0" encoding="utf-8"?>
+<p:sld xmlns:a="http://schemas.openxmlformats.org/drawingml/2006/main" xmlns:r="http://schemas.openxmlformats.org/officeDocument/2006/relationships" xmlns:p="http://schemas.openxmlformats.org/presentationml/2006/main">
+  <p:cSld>
+    <p:spTree>
+      <p:nvGrpSpPr>
+        <p:cNvPr id="1" name=""/>
+        <p:cNvGrpSpPr/>
+        <p:nvPr/>
+      </p:nvGrpSpPr>
+      <p:grpSpPr>
+        <a:xfrm>
+          <a:off x="0" y="0"/>
+          <a:ext cx="0" cy="0"/>
+          <a:chOff x="0" y="0"/>
+          <a:chExt cx="0" cy="0"/>
+        </a:xfrm>
+      </p:grpSpPr>
+      <p:sp>
+        <p:nvSpPr>
+          <p:cNvPr id="2" name="フローチャート: 磁気ディスク 1"/>
+          <p:cNvSpPr/>
+          <p:nvPr/>
+        </p:nvSpPr>
+        <p:spPr>
+          <a:xfrm>
+            <a:off x="976544" y="3506679"/>
+            <a:ext cx="1526959" cy="825623"/>
+          </a:xfrm>
+          <a:prstGeom prst="flowChartMagneticDisk">
+            <a:avLst/>
+          </a:prstGeom>
+          <a:solidFill>
+            <a:schemeClr val="accent4"/>
+          </a:solidFill>
+        </p:spPr>
+        <p:style>
+          <a:lnRef idx="2">
+            <a:schemeClr val="accent1">
+              <a:shade val="50000"/>
+            </a:schemeClr>
+          </a:lnRef>
+          <a:fillRef idx="1">
+            <a:schemeClr val="accent1"/>
+          </a:fillRef>
+          <a:effectRef idx="0">
+            <a:schemeClr val="accent1"/>
+          </a:effectRef>
+          <a:fontRef idx="minor">
+            <a:schemeClr val="lt1"/>
+          </a:fontRef>
+        </p:style>
+        <p:txBody>
+          <a:bodyPr rtlCol="0" anchor="ctr"/>
+          <a:lstStyle/>
+          <a:p>
+            <a:pPr algn="ctr"/>
+            <a:r>
+              <a:rPr lang="ja-JP" altLang="en-US" dirty="0" smtClean="0"/>
+              <a:t>クリアしたステージ</a:t>
+            </a:r>
+            <a:endParaRPr kumimoji="1" lang="ja-JP" altLang="en-US" dirty="0"/>
+          </a:p>
+        </p:txBody>
+      </p:sp>
+      <p:sp>
+        <p:nvSpPr>
+          <p:cNvPr id="3" name="フローチャート: 磁気ディスク 2"/>
+          <p:cNvSpPr/>
+          <p:nvPr/>
+        </p:nvSpPr>
+        <p:spPr>
+          <a:xfrm>
+            <a:off x="5257061" y="3506680"/>
+            <a:ext cx="1526959" cy="825623"/>
+          </a:xfrm>
+          <a:prstGeom prst="flowChartMagneticDisk">
+            <a:avLst/>
+          </a:prstGeom>
+        </p:spPr>
+        <p:style>
+          <a:lnRef idx="2">
+            <a:schemeClr val="accent1">
+              <a:shade val="50000"/>
+            </a:schemeClr>
+          </a:lnRef>
+          <a:fillRef idx="1">
+            <a:schemeClr val="accent1"/>
+          </a:fillRef>
+          <a:effectRef idx="0">
+            <a:schemeClr val="accent1"/>
+          </a:effectRef>
+          <a:fontRef idx="minor">
+            <a:schemeClr val="lt1"/>
+          </a:fontRef>
+        </p:style>
+        <p:txBody>
+          <a:bodyPr rtlCol="0" anchor="ctr"/>
+          <a:lstStyle/>
+          <a:p>
+            <a:pPr algn="ctr"/>
+            <a:r>
+              <a:rPr kumimoji="1" lang="ja-JP" altLang="en-US" dirty="0" smtClean="0"/>
+              <a:t>未クリアのステージ</a:t>
+            </a:r>
+            <a:endParaRPr kumimoji="1" lang="ja-JP" altLang="en-US" dirty="0"/>
+          </a:p>
+        </p:txBody>
+      </p:sp>
+      <p:sp>
+        <p:nvSpPr>
+          <p:cNvPr id="4" name="フローチャート: 磁気ディスク 3"/>
+          <p:cNvSpPr/>
+          <p:nvPr/>
+        </p:nvSpPr>
+        <p:spPr>
+          <a:xfrm>
+            <a:off x="9537578" y="3506679"/>
+            <a:ext cx="1526959" cy="825623"/>
+          </a:xfrm>
+          <a:prstGeom prst="flowChartMagneticDisk">
+            <a:avLst/>
+          </a:prstGeom>
+        </p:spPr>
+        <p:style>
+          <a:lnRef idx="2">
+            <a:schemeClr val="accent1">
+              <a:shade val="50000"/>
+            </a:schemeClr>
+          </a:lnRef>
+          <a:fillRef idx="1">
+            <a:schemeClr val="accent1"/>
+          </a:fillRef>
+          <a:effectRef idx="0">
+            <a:schemeClr val="accent1"/>
+          </a:effectRef>
+          <a:fontRef idx="minor">
+            <a:schemeClr val="lt1"/>
+          </a:fontRef>
+        </p:style>
+        <p:txBody>
+          <a:bodyPr rtlCol="0" anchor="ctr"/>
+          <a:lstStyle/>
+          <a:p>
+            <a:pPr algn="ctr"/>
+            <a:endParaRPr kumimoji="1" lang="ja-JP" altLang="en-US"/>
+          </a:p>
+        </p:txBody>
+      </p:sp>
+      <p:sp>
+        <p:nvSpPr>
+          <p:cNvPr id="5" name="テキスト ボックス 4"/>
+          <p:cNvSpPr txBox="1"/>
+          <p:nvPr/>
+        </p:nvSpPr>
+        <p:spPr>
+          <a:xfrm>
+            <a:off x="399495" y="319596"/>
+            <a:ext cx="2104008" cy="369332"/>
+          </a:xfrm>
+          <a:prstGeom prst="rect">
+            <a:avLst/>
+          </a:prstGeom>
+          <a:noFill/>
+        </p:spPr>
+        <p:txBody>
+          <a:bodyPr wrap="square" rtlCol="0">
+            <a:spAutoFit/>
+          </a:bodyPr>
+          <a:lstStyle/>
+          <a:p>
+            <a:r>
+              <a:rPr kumimoji="1" lang="ja-JP" altLang="en-US" dirty="0" smtClean="0"/>
+              <a:t>ステージ選択画面</a:t>
+            </a:r>
+            <a:endParaRPr kumimoji="1" lang="ja-JP" altLang="en-US" dirty="0"/>
+          </a:p>
+        </p:txBody>
+      </p:sp>
+      <p:pic>
+        <p:nvPicPr>
+          <p:cNvPr id="6" name="図 5"/>
+          <p:cNvPicPr>
+            <a:picLocks noChangeAspect="1"/>
+          </p:cNvPicPr>
+          <p:nvPr/>
+        </p:nvPicPr>
+        <p:blipFill rotWithShape="1">
+          <a:blip r:embed="rId2">
+            <a:extLst>
+              <a:ext uri="{28A0092B-C50C-407E-A947-70E740481C1C}">
+                <a14:useLocalDpi xmlns:a14="http://schemas.microsoft.com/office/drawing/2010/main" val="0"/>
+              </a:ext>
+            </a:extLst>
+          </a:blip>
+          <a:srcRect t="14416" r="95310"/>
+          <a:stretch/>
+        </p:blipFill>
+        <p:spPr>
+          <a:xfrm>
+            <a:off x="5270111" y="2434257"/>
+            <a:ext cx="1513909" cy="1201252"/>
+          </a:xfrm>
+          <a:prstGeom prst="rect">
+            <a:avLst/>
+          </a:prstGeom>
+        </p:spPr>
+      </p:pic>
+      <p:sp>
+        <p:nvSpPr>
+          <p:cNvPr id="7" name="テキスト ボックス 6"/>
+          <p:cNvSpPr txBox="1"/>
+          <p:nvPr/>
+        </p:nvSpPr>
+        <p:spPr>
+          <a:xfrm>
+            <a:off x="230819" y="4707932"/>
+            <a:ext cx="3018408" cy="646331"/>
+          </a:xfrm>
+          <a:prstGeom prst="rect">
+            <a:avLst/>
+          </a:prstGeom>
+          <a:noFill/>
+        </p:spPr>
+        <p:txBody>
+          <a:bodyPr wrap="square" rtlCol="0">
+            <a:spAutoFit/>
+          </a:bodyPr>
+          <a:lstStyle/>
+          <a:p>
+            <a:pPr algn="ctr"/>
+            <a:r>
+              <a:rPr kumimoji="1" lang="ja-JP" altLang="en-US" dirty="0" smtClean="0"/>
+              <a:t>チュートリアル用ステージ</a:t>
+            </a:r>
+            <a:endParaRPr kumimoji="1" lang="en-US" altLang="ja-JP" dirty="0" smtClean="0"/>
+          </a:p>
+          <a:p>
+            <a:pPr algn="ctr"/>
+            <a:r>
+              <a:rPr kumimoji="1" lang="en-US" altLang="ja-JP" dirty="0" smtClean="0"/>
+              <a:t>(</a:t>
+            </a:r>
+            <a:r>
+              <a:rPr kumimoji="1" lang="ja-JP" altLang="en-US" dirty="0" smtClean="0"/>
+              <a:t>難易度：優しめ</a:t>
+            </a:r>
+            <a:r>
+              <a:rPr kumimoji="1" lang="en-US" altLang="ja-JP" dirty="0" smtClean="0"/>
+              <a:t>)</a:t>
+            </a:r>
+            <a:endParaRPr kumimoji="1" lang="ja-JP" altLang="en-US" dirty="0"/>
+          </a:p>
+        </p:txBody>
+      </p:sp>
+      <p:sp>
+        <p:nvSpPr>
+          <p:cNvPr id="9" name="テキスト ボックス 8"/>
+          <p:cNvSpPr txBox="1"/>
+          <p:nvPr/>
+        </p:nvSpPr>
+        <p:spPr>
+          <a:xfrm>
+            <a:off x="4218373" y="4707932"/>
+            <a:ext cx="3604334" cy="646331"/>
+          </a:xfrm>
+          <a:prstGeom prst="rect">
+            <a:avLst/>
+          </a:prstGeom>
+          <a:noFill/>
+        </p:spPr>
+        <p:txBody>
+          <a:bodyPr wrap="square" rtlCol="0">
+            <a:spAutoFit/>
+          </a:bodyPr>
+          <a:lstStyle/>
+          <a:p>
+            <a:pPr algn="ctr"/>
+            <a:r>
+              <a:rPr kumimoji="1" lang="ja-JP" altLang="en-US" dirty="0" smtClean="0"/>
+              <a:t>トラップを色々置いたステージ</a:t>
+            </a:r>
+            <a:endParaRPr kumimoji="1" lang="en-US" altLang="ja-JP" dirty="0" smtClean="0"/>
+          </a:p>
+          <a:p>
+            <a:pPr algn="ctr"/>
+            <a:r>
+              <a:rPr kumimoji="1" lang="en-US" altLang="ja-JP" dirty="0" smtClean="0"/>
+              <a:t>(</a:t>
+            </a:r>
+            <a:r>
+              <a:rPr kumimoji="1" lang="ja-JP" altLang="en-US" dirty="0" smtClean="0"/>
+              <a:t>難易度：普通</a:t>
+            </a:r>
+            <a:r>
+              <a:rPr kumimoji="1" lang="en-US" altLang="ja-JP" dirty="0" smtClean="0"/>
+              <a:t>)</a:t>
+            </a:r>
+            <a:endParaRPr kumimoji="1" lang="ja-JP" altLang="en-US" dirty="0"/>
+          </a:p>
+        </p:txBody>
+      </p:sp>
+      <p:sp>
+        <p:nvSpPr>
+          <p:cNvPr id="10" name="テキスト ボックス 9"/>
+          <p:cNvSpPr txBox="1"/>
+          <p:nvPr/>
+        </p:nvSpPr>
+        <p:spPr>
+          <a:xfrm>
+            <a:off x="8756342" y="4707931"/>
+            <a:ext cx="3089429" cy="646331"/>
+          </a:xfrm>
+          <a:prstGeom prst="rect">
+            <a:avLst/>
+          </a:prstGeom>
+          <a:noFill/>
+        </p:spPr>
+        <p:txBody>
+          <a:bodyPr wrap="square" rtlCol="0">
+            <a:spAutoFit/>
+          </a:bodyPr>
+          <a:lstStyle/>
+          <a:p>
+            <a:pPr algn="ctr"/>
+            <a:r>
+              <a:rPr kumimoji="1" lang="ja-JP" altLang="en-US" dirty="0" smtClean="0"/>
+              <a:t>動く</a:t>
+            </a:r>
+            <a:r>
+              <a:rPr kumimoji="1" lang="ja-JP" altLang="en-US" dirty="0" smtClean="0"/>
+              <a:t>足場、小ボス戦を導入</a:t>
+            </a:r>
+            <a:endParaRPr kumimoji="1" lang="en-US" altLang="ja-JP" dirty="0" smtClean="0"/>
+          </a:p>
+          <a:p>
+            <a:pPr algn="ctr"/>
+            <a:r>
+              <a:rPr lang="en-US" altLang="ja-JP" dirty="0" smtClean="0"/>
+              <a:t>(</a:t>
+            </a:r>
+            <a:r>
+              <a:rPr lang="ja-JP" altLang="en-US" dirty="0" smtClean="0"/>
+              <a:t>難易度：</a:t>
+            </a:r>
+            <a:r>
+              <a:rPr lang="en-US" altLang="ja-JP" dirty="0" smtClean="0"/>
+              <a:t>??)</a:t>
+            </a:r>
+            <a:endParaRPr kumimoji="1" lang="ja-JP" altLang="en-US" dirty="0"/>
+          </a:p>
+        </p:txBody>
+      </p:sp>
+      <p:sp>
+        <p:nvSpPr>
+          <p:cNvPr id="12" name="テキスト ボックス 11"/>
+          <p:cNvSpPr txBox="1"/>
+          <p:nvPr/>
+        </p:nvSpPr>
+        <p:spPr>
+          <a:xfrm>
+            <a:off x="4848687" y="1669002"/>
+            <a:ext cx="2343705" cy="646331"/>
+          </a:xfrm>
+          <a:prstGeom prst="rect">
+            <a:avLst/>
+          </a:prstGeom>
+          <a:noFill/>
+        </p:spPr>
+        <p:txBody>
+          <a:bodyPr wrap="square" rtlCol="0">
+            <a:spAutoFit/>
+          </a:bodyPr>
+          <a:lstStyle/>
+          <a:p>
+            <a:r>
+              <a:rPr lang="ja-JP" altLang="en-US" dirty="0" smtClean="0"/>
+              <a:t>選択中のステージに</a:t>
+            </a:r>
+            <a:endParaRPr lang="en-US" altLang="ja-JP" dirty="0" smtClean="0"/>
+          </a:p>
+          <a:p>
+            <a:r>
+              <a:rPr kumimoji="1" lang="ja-JP" altLang="en-US" dirty="0"/>
+              <a:t>キリカ</a:t>
+            </a:r>
+            <a:r>
+              <a:rPr kumimoji="1" lang="ja-JP" altLang="en-US" dirty="0" smtClean="0"/>
+              <a:t>ちゃんが乗る</a:t>
+            </a:r>
+            <a:endParaRPr kumimoji="1" lang="ja-JP" altLang="en-US" dirty="0"/>
+          </a:p>
+        </p:txBody>
+      </p:sp>
+    </p:spTree>
+    <p:extLst>
+      <p:ext uri="{BB962C8B-B14F-4D97-AF65-F5344CB8AC3E}">
+        <p14:creationId xmlns:p14="http://schemas.microsoft.com/office/powerpoint/2010/main" val="996863777"/>
+      </p:ext>
+    </p:extLst>
+  </p:cSld>
+  <p:clrMapOvr>
+    <a:masterClrMapping/>
+  </p:clrMapOvr>
+  <p:timing>
+    <p:tnLst>
+      <p:par>
+        <p:cTn id="1" dur="indefinite" restart="never" nodeType="tmRoot"/>
+      </p:par>
+    </p:tnLst>
+  </p:timing>
+</p:sld>
+</file>
+
+<file path=ppt/slides/slide6.xml><?xml version="1.0" encoding="utf-8"?>
+<p:sld xmlns:a="http://schemas.openxmlformats.org/drawingml/2006/main" xmlns:r="http://schemas.openxmlformats.org/officeDocument/2006/relationships" xmlns:p="http://schemas.openxmlformats.org/presentationml/2006/main">
+  <p:cSld>
+    <p:spTree>
+      <p:nvGrpSpPr>
+        <p:cNvPr id="1" name=""/>
+        <p:cNvGrpSpPr/>
+        <p:nvPr/>
+      </p:nvGrpSpPr>
+      <p:grpSpPr>
+        <a:xfrm>
+          <a:off x="0" y="0"/>
+          <a:ext cx="0" cy="0"/>
+          <a:chOff x="0" y="0"/>
+          <a:chExt cx="0" cy="0"/>
+        </a:xfrm>
+      </p:grpSpPr>
+      <p:sp>
+        <p:nvSpPr>
+          <p:cNvPr id="2" name="テキスト ボックス 1"/>
+          <p:cNvSpPr txBox="1"/>
+          <p:nvPr/>
+        </p:nvSpPr>
+        <p:spPr>
+          <a:xfrm>
+            <a:off x="284085" y="239697"/>
+            <a:ext cx="1837678" cy="461665"/>
+          </a:xfrm>
+          <a:prstGeom prst="rect">
+            <a:avLst/>
+          </a:prstGeom>
+          <a:noFill/>
+        </p:spPr>
+        <p:txBody>
+          <a:bodyPr wrap="square" rtlCol="0">
+            <a:spAutoFit/>
+          </a:bodyPr>
+          <a:lstStyle/>
+          <a:p>
+            <a:r>
+              <a:rPr kumimoji="1" lang="ja-JP" altLang="en-US" sz="2400" dirty="0" smtClean="0"/>
+              <a:t>ステージ１</a:t>
+            </a:r>
+            <a:endParaRPr kumimoji="1" lang="ja-JP" altLang="en-US" sz="2400" dirty="0"/>
+          </a:p>
+        </p:txBody>
+      </p:sp>
+      <p:sp>
+        <p:nvSpPr>
+          <p:cNvPr id="3" name="正方形/長方形 2"/>
+          <p:cNvSpPr/>
+          <p:nvPr/>
+        </p:nvSpPr>
+        <p:spPr>
+          <a:xfrm>
+            <a:off x="0" y="6178858"/>
+            <a:ext cx="12192000" cy="896645"/>
+          </a:xfrm>
+          <a:prstGeom prst="rect">
+            <a:avLst/>
+          </a:prstGeom>
+          <a:solidFill>
+            <a:schemeClr val="accent4">
+              <a:lumMod val="50000"/>
+            </a:schemeClr>
+          </a:solidFill>
+        </p:spPr>
+        <p:style>
+          <a:lnRef idx="2">
+            <a:schemeClr val="accent1">
+              <a:shade val="50000"/>
+            </a:schemeClr>
+          </a:lnRef>
+          <a:fillRef idx="1">
+            <a:schemeClr val="accent1"/>
+          </a:fillRef>
+          <a:effectRef idx="0">
+            <a:schemeClr val="accent1"/>
+          </a:effectRef>
+          <a:fontRef idx="minor">
+            <a:schemeClr val="lt1"/>
+          </a:fontRef>
+        </p:style>
+        <p:txBody>
+          <a:bodyPr rtlCol="0" anchor="ctr"/>
+          <a:lstStyle/>
+          <a:p>
+            <a:pPr algn="ctr"/>
+            <a:endParaRPr kumimoji="1" lang="ja-JP" altLang="en-US"/>
+          </a:p>
+        </p:txBody>
+      </p:sp>
+      <p:pic>
+        <p:nvPicPr>
+          <p:cNvPr id="4" name="図 3"/>
+          <p:cNvPicPr>
+            <a:picLocks noChangeAspect="1"/>
+          </p:cNvPicPr>
+          <p:nvPr/>
+        </p:nvPicPr>
+        <p:blipFill>
+          <a:blip r:embed="rId2">
+            <a:extLst>
+              <a:ext uri="{28A0092B-C50C-407E-A947-70E740481C1C}">
+                <a14:useLocalDpi xmlns:a14="http://schemas.microsoft.com/office/drawing/2010/main" val="0"/>
+              </a:ext>
+            </a:extLst>
+          </a:blip>
+          <a:stretch>
+            <a:fillRect/>
+          </a:stretch>
+        </p:blipFill>
+        <p:spPr>
+          <a:xfrm>
+            <a:off x="7168717" y="4729062"/>
+            <a:ext cx="1611297" cy="1611297"/>
+          </a:xfrm>
+          <a:prstGeom prst="rect">
+            <a:avLst/>
+          </a:prstGeom>
+        </p:spPr>
+      </p:pic>
+      <p:pic>
+        <p:nvPicPr>
+          <p:cNvPr id="5" name="図 4"/>
+          <p:cNvPicPr>
+            <a:picLocks noChangeAspect="1"/>
+          </p:cNvPicPr>
+          <p:nvPr/>
+        </p:nvPicPr>
+        <p:blipFill rotWithShape="1">
+          <a:blip r:embed="rId3">
+            <a:extLst>
+              <a:ext uri="{28A0092B-C50C-407E-A947-70E740481C1C}">
+                <a14:useLocalDpi xmlns:a14="http://schemas.microsoft.com/office/drawing/2010/main" val="0"/>
+              </a:ext>
+            </a:extLst>
+          </a:blip>
+          <a:srcRect t="-17719" r="95673"/>
+          <a:stretch/>
+        </p:blipFill>
+        <p:spPr>
+          <a:xfrm>
+            <a:off x="284085" y="5370105"/>
+            <a:ext cx="676183" cy="799876"/>
+          </a:xfrm>
+          <a:prstGeom prst="rect">
+            <a:avLst/>
+          </a:prstGeom>
+        </p:spPr>
+      </p:pic>
+      <p:pic>
+        <p:nvPicPr>
+          <p:cNvPr id="6" name="図 5"/>
+          <p:cNvPicPr>
+            <a:picLocks noChangeAspect="1"/>
+          </p:cNvPicPr>
+          <p:nvPr/>
+        </p:nvPicPr>
+        <p:blipFill rotWithShape="1">
+          <a:blip r:embed="rId3">
+            <a:extLst>
+              <a:ext uri="{28A0092B-C50C-407E-A947-70E740481C1C}">
+                <a14:useLocalDpi xmlns:a14="http://schemas.microsoft.com/office/drawing/2010/main" val="0"/>
+              </a:ext>
+            </a:extLst>
+          </a:blip>
+          <a:srcRect t="-17719" r="95673"/>
+          <a:stretch/>
+        </p:blipFill>
+        <p:spPr>
+          <a:xfrm>
+            <a:off x="5032155" y="5384384"/>
+            <a:ext cx="676183" cy="799876"/>
+          </a:xfrm>
+          <a:prstGeom prst="rect">
+            <a:avLst/>
+          </a:prstGeom>
+        </p:spPr>
+      </p:pic>
+      <p:pic>
+        <p:nvPicPr>
+          <p:cNvPr id="7" name="図 6"/>
+          <p:cNvPicPr>
+            <a:picLocks noChangeAspect="1"/>
+          </p:cNvPicPr>
+          <p:nvPr/>
+        </p:nvPicPr>
+        <p:blipFill rotWithShape="1">
+          <a:blip r:embed="rId3">
+            <a:extLst>
+              <a:ext uri="{28A0092B-C50C-407E-A947-70E740481C1C}">
+                <a14:useLocalDpi xmlns:a14="http://schemas.microsoft.com/office/drawing/2010/main" val="0"/>
+              </a:ext>
+            </a:extLst>
+          </a:blip>
+          <a:srcRect t="-17719" r="95673"/>
+          <a:stretch/>
+        </p:blipFill>
+        <p:spPr>
+          <a:xfrm>
+            <a:off x="5695762" y="5384384"/>
+            <a:ext cx="676183" cy="799876"/>
+          </a:xfrm>
+          <a:prstGeom prst="rect">
+            <a:avLst/>
+          </a:prstGeom>
+        </p:spPr>
+      </p:pic>
+      <p:pic>
+        <p:nvPicPr>
+          <p:cNvPr id="8" name="図 7"/>
+          <p:cNvPicPr>
+            <a:picLocks noChangeAspect="1"/>
+          </p:cNvPicPr>
+          <p:nvPr/>
+        </p:nvPicPr>
+        <p:blipFill rotWithShape="1">
+          <a:blip r:embed="rId3">
+            <a:extLst>
+              <a:ext uri="{28A0092B-C50C-407E-A947-70E740481C1C}">
+                <a14:useLocalDpi xmlns:a14="http://schemas.microsoft.com/office/drawing/2010/main" val="0"/>
+              </a:ext>
+            </a:extLst>
+          </a:blip>
+          <a:srcRect t="-17719" r="95673"/>
+          <a:stretch/>
+        </p:blipFill>
+        <p:spPr>
+          <a:xfrm>
+            <a:off x="6359369" y="5385863"/>
+            <a:ext cx="676183" cy="799876"/>
+          </a:xfrm>
+          <a:prstGeom prst="rect">
+            <a:avLst/>
+          </a:prstGeom>
+        </p:spPr>
+      </p:pic>
+      <p:pic>
+        <p:nvPicPr>
+          <p:cNvPr id="9" name="図 8"/>
+          <p:cNvPicPr>
+            <a:picLocks noChangeAspect="1"/>
+          </p:cNvPicPr>
+          <p:nvPr/>
+        </p:nvPicPr>
+        <p:blipFill>
+          <a:blip r:embed="rId4">
+            <a:extLst>
+              <a:ext uri="{28A0092B-C50C-407E-A947-70E740481C1C}">
+                <a14:useLocalDpi xmlns:a14="http://schemas.microsoft.com/office/drawing/2010/main" val="0"/>
+              </a:ext>
+            </a:extLst>
+          </a:blip>
+          <a:stretch>
+            <a:fillRect/>
+          </a:stretch>
+        </p:blipFill>
+        <p:spPr>
+          <a:xfrm rot="10800000" flipV="1">
+            <a:off x="3637266" y="6099725"/>
+            <a:ext cx="621411" cy="621411"/>
+          </a:xfrm>
+          <a:prstGeom prst="rect">
+            <a:avLst/>
+          </a:prstGeom>
+        </p:spPr>
+      </p:pic>
+      <p:pic>
+        <p:nvPicPr>
+          <p:cNvPr id="10" name="図 9"/>
+          <p:cNvPicPr>
+            <a:picLocks noChangeAspect="1"/>
+          </p:cNvPicPr>
+          <p:nvPr/>
+        </p:nvPicPr>
+        <p:blipFill>
+          <a:blip r:embed="rId2">
+            <a:extLst>
+              <a:ext uri="{28A0092B-C50C-407E-A947-70E740481C1C}">
+                <a14:useLocalDpi xmlns:a14="http://schemas.microsoft.com/office/drawing/2010/main" val="0"/>
+              </a:ext>
+            </a:extLst>
+          </a:blip>
+          <a:stretch>
+            <a:fillRect/>
+          </a:stretch>
+        </p:blipFill>
+        <p:spPr>
+          <a:xfrm>
+            <a:off x="1093433" y="5225916"/>
+            <a:ext cx="1088253" cy="1088253"/>
+          </a:xfrm>
+          <a:prstGeom prst="rect">
+            <a:avLst/>
+          </a:prstGeom>
+        </p:spPr>
+      </p:pic>
+      <p:sp>
+        <p:nvSpPr>
+          <p:cNvPr id="11" name="テキスト ボックス 10"/>
+          <p:cNvSpPr txBox="1"/>
+          <p:nvPr/>
+        </p:nvSpPr>
+        <p:spPr>
+          <a:xfrm flipH="1">
+            <a:off x="7360955" y="4359730"/>
+            <a:ext cx="1226819" cy="369332"/>
+          </a:xfrm>
+          <a:prstGeom prst="rect">
+            <a:avLst/>
+          </a:prstGeom>
+          <a:noFill/>
+        </p:spPr>
+        <p:txBody>
+          <a:bodyPr wrap="square" rtlCol="0">
+            <a:spAutoFit/>
+          </a:bodyPr>
+          <a:lstStyle/>
+          <a:p>
+            <a:pPr algn="ctr"/>
+            <a:r>
+              <a:rPr kumimoji="1" lang="en-US" altLang="ja-JP" dirty="0" smtClean="0"/>
+              <a:t>HP</a:t>
+            </a:r>
+            <a:r>
+              <a:rPr lang="ja-JP" altLang="en-US" dirty="0"/>
+              <a:t>多</a:t>
+            </a:r>
+            <a:r>
+              <a:rPr kumimoji="1" lang="ja-JP" altLang="en-US" dirty="0" smtClean="0"/>
+              <a:t>め</a:t>
+            </a:r>
+            <a:endParaRPr kumimoji="1" lang="ja-JP" altLang="en-US" dirty="0"/>
+          </a:p>
+        </p:txBody>
+      </p:sp>
+      <p:sp>
+        <p:nvSpPr>
+          <p:cNvPr id="12" name="テキスト ボックス 11"/>
+          <p:cNvSpPr txBox="1"/>
+          <p:nvPr/>
+        </p:nvSpPr>
+        <p:spPr>
+          <a:xfrm flipH="1">
+            <a:off x="1024149" y="4856584"/>
+            <a:ext cx="1226819" cy="369332"/>
+          </a:xfrm>
+          <a:prstGeom prst="rect">
+            <a:avLst/>
+          </a:prstGeom>
+          <a:noFill/>
+        </p:spPr>
+        <p:txBody>
+          <a:bodyPr wrap="square" rtlCol="0">
+            <a:spAutoFit/>
+          </a:bodyPr>
+          <a:lstStyle/>
+          <a:p>
+            <a:pPr algn="ctr"/>
+            <a:r>
+              <a:rPr kumimoji="1" lang="en-US" altLang="ja-JP" dirty="0" smtClean="0"/>
+              <a:t>HP</a:t>
+            </a:r>
+            <a:r>
+              <a:rPr kumimoji="1" lang="ja-JP" altLang="en-US" dirty="0" smtClean="0"/>
+              <a:t>少なめ</a:t>
+            </a:r>
+            <a:endParaRPr kumimoji="1" lang="ja-JP" altLang="en-US" dirty="0"/>
+          </a:p>
+        </p:txBody>
+      </p:sp>
+      <p:sp>
+        <p:nvSpPr>
+          <p:cNvPr id="13" name="楕円 12"/>
+          <p:cNvSpPr/>
+          <p:nvPr/>
+        </p:nvSpPr>
+        <p:spPr>
+          <a:xfrm>
+            <a:off x="10370037" y="3290584"/>
+            <a:ext cx="727969" cy="1935332"/>
+          </a:xfrm>
+          <a:prstGeom prst="ellipse">
+            <a:avLst/>
+          </a:prstGeom>
+          <a:noFill/>
+          <a:ln w="76200">
+            <a:solidFill>
+              <a:schemeClr val="accent4"/>
+            </a:solidFill>
+          </a:ln>
+          <a:effectLst>
+            <a:outerShdw dist="63500" algn="ctr" rotWithShape="0">
+              <a:srgbClr val="000000">
+                <a:alpha val="69000"/>
+              </a:srgbClr>
+            </a:outerShdw>
+          </a:effectLst>
+        </p:spPr>
+        <p:style>
+          <a:lnRef idx="2">
+            <a:schemeClr val="accent1">
+              <a:shade val="50000"/>
+            </a:schemeClr>
+          </a:lnRef>
+          <a:fillRef idx="1">
+            <a:schemeClr val="accent1"/>
+          </a:fillRef>
+          <a:effectRef idx="0">
+            <a:schemeClr val="accent1"/>
+          </a:effectRef>
+          <a:fontRef idx="minor">
+            <a:schemeClr val="lt1"/>
+          </a:fontRef>
+        </p:style>
+        <p:txBody>
+          <a:bodyPr rtlCol="0" anchor="ctr"/>
+          <a:lstStyle/>
+          <a:p>
+            <a:pPr algn="ctr"/>
+            <a:endParaRPr kumimoji="1" lang="ja-JP" altLang="en-US"/>
+          </a:p>
+        </p:txBody>
+      </p:sp>
+      <p:pic>
+        <p:nvPicPr>
+          <p:cNvPr id="14" name="図 13"/>
+          <p:cNvPicPr>
+            <a:picLocks noChangeAspect="1"/>
+          </p:cNvPicPr>
+          <p:nvPr/>
+        </p:nvPicPr>
+        <p:blipFill>
+          <a:blip r:embed="rId4">
+            <a:extLst>
+              <a:ext uri="{28A0092B-C50C-407E-A947-70E740481C1C}">
+                <a14:useLocalDpi xmlns:a14="http://schemas.microsoft.com/office/drawing/2010/main" val="0"/>
+              </a:ext>
+            </a:extLst>
+          </a:blip>
+          <a:stretch>
+            <a:fillRect/>
+          </a:stretch>
+        </p:blipFill>
+        <p:spPr>
+          <a:xfrm rot="10800000" flipV="1">
+            <a:off x="3173422" y="6099726"/>
+            <a:ext cx="621411" cy="621411"/>
+          </a:xfrm>
+          <a:prstGeom prst="rect">
+            <a:avLst/>
+          </a:prstGeom>
+        </p:spPr>
+      </p:pic>
+      <p:sp>
+        <p:nvSpPr>
+          <p:cNvPr id="15" name="テキスト ボックス 14"/>
+          <p:cNvSpPr txBox="1"/>
+          <p:nvPr/>
+        </p:nvSpPr>
+        <p:spPr>
+          <a:xfrm>
+            <a:off x="8962926" y="2604686"/>
+            <a:ext cx="2814222" cy="646331"/>
+          </a:xfrm>
+          <a:prstGeom prst="rect">
+            <a:avLst/>
+          </a:prstGeom>
+          <a:noFill/>
+        </p:spPr>
+        <p:txBody>
+          <a:bodyPr wrap="square" rtlCol="0">
+            <a:spAutoFit/>
+          </a:bodyPr>
+          <a:lstStyle/>
+          <a:p>
+            <a:r>
+              <a:rPr kumimoji="1" lang="ja-JP" altLang="en-US" dirty="0" smtClean="0"/>
+              <a:t>クリーチャーを投げて</a:t>
+            </a:r>
+            <a:endParaRPr kumimoji="1" lang="en-US" altLang="ja-JP" dirty="0" smtClean="0"/>
+          </a:p>
+          <a:p>
+            <a:r>
+              <a:rPr kumimoji="1" lang="ja-JP" altLang="en-US" dirty="0" smtClean="0"/>
+              <a:t>輪</a:t>
+            </a:r>
+            <a:r>
+              <a:rPr kumimoji="1" lang="ja-JP" altLang="en-US" dirty="0" err="1" smtClean="0"/>
+              <a:t>っかに</a:t>
+            </a:r>
+            <a:r>
+              <a:rPr lang="ja-JP" altLang="en-US" dirty="0" smtClean="0"/>
+              <a:t>触れるとゴール</a:t>
+            </a:r>
+            <a:endParaRPr kumimoji="1" lang="ja-JP" altLang="en-US" dirty="0"/>
+          </a:p>
+        </p:txBody>
+      </p:sp>
+    </p:spTree>
+    <p:extLst>
+      <p:ext uri="{BB962C8B-B14F-4D97-AF65-F5344CB8AC3E}">
+        <p14:creationId xmlns:p14="http://schemas.microsoft.com/office/powerpoint/2010/main" val="476545121"/>
+      </p:ext>
+    </p:extLst>
+  </p:cSld>
+  <p:clrMapOvr>
+    <a:masterClrMapping/>
+  </p:clrMapOvr>
+  <p:timing>
+    <p:tnLst>
+      <p:par>
+        <p:cTn id="1" dur="indefinite" restart="never" nodeType="tmRoot"/>
+      </p:par>
+    </p:tnLst>
+  </p:timing>
+</p:sld>
+</file>
+
+<file path=ppt/slides/slide7.xml><?xml version="1.0" encoding="utf-8"?>
+<p:sld xmlns:a="http://schemas.openxmlformats.org/drawingml/2006/main" xmlns:r="http://schemas.openxmlformats.org/officeDocument/2006/relationships" xmlns:p="http://schemas.openxmlformats.org/presentationml/2006/main">
+  <p:cSld>
+    <p:spTree>
+      <p:nvGrpSpPr>
+        <p:cNvPr id="1" name=""/>
+        <p:cNvGrpSpPr/>
+        <p:nvPr/>
+      </p:nvGrpSpPr>
+      <p:grpSpPr>
+        <a:xfrm>
+          <a:off x="0" y="0"/>
+          <a:ext cx="0" cy="0"/>
+          <a:chOff x="0" y="0"/>
+          <a:chExt cx="0" cy="0"/>
+        </a:xfrm>
+      </p:grpSpPr>
+      <p:sp>
+        <p:nvSpPr>
+          <p:cNvPr id="3" name="正方形/長方形 2"/>
+          <p:cNvSpPr/>
+          <p:nvPr/>
+        </p:nvSpPr>
+        <p:spPr>
+          <a:xfrm>
+            <a:off x="0" y="6178858"/>
+            <a:ext cx="12192000" cy="896645"/>
+          </a:xfrm>
+          <a:prstGeom prst="rect">
+            <a:avLst/>
+          </a:prstGeom>
+          <a:solidFill>
+            <a:schemeClr val="accent4">
+              <a:lumMod val="50000"/>
+            </a:schemeClr>
+          </a:solidFill>
+        </p:spPr>
+        <p:style>
+          <a:lnRef idx="2">
+            <a:schemeClr val="accent1">
+              <a:shade val="50000"/>
+            </a:schemeClr>
+          </a:lnRef>
+          <a:fillRef idx="1">
+            <a:schemeClr val="accent1"/>
+          </a:fillRef>
+          <a:effectRef idx="0">
+            <a:schemeClr val="accent1"/>
+          </a:effectRef>
+          <a:fontRef idx="minor">
+            <a:schemeClr val="lt1"/>
+          </a:fontRef>
+        </p:style>
+        <p:txBody>
+          <a:bodyPr rtlCol="0" anchor="ctr"/>
+          <a:lstStyle/>
+          <a:p>
+            <a:pPr algn="ctr"/>
+            <a:endParaRPr kumimoji="1" lang="ja-JP" altLang="en-US"/>
+          </a:p>
+        </p:txBody>
+      </p:sp>
+      <p:pic>
+        <p:nvPicPr>
+          <p:cNvPr id="5" name="図 4"/>
+          <p:cNvPicPr>
+            <a:picLocks noChangeAspect="1"/>
+          </p:cNvPicPr>
+          <p:nvPr/>
+        </p:nvPicPr>
+        <p:blipFill>
+          <a:blip r:embed="rId2">
+            <a:extLst>
+              <a:ext uri="{28A0092B-C50C-407E-A947-70E740481C1C}">
+                <a14:useLocalDpi xmlns:a14="http://schemas.microsoft.com/office/drawing/2010/main" val="0"/>
+              </a:ext>
+            </a:extLst>
+          </a:blip>
+          <a:stretch>
+            <a:fillRect/>
+          </a:stretch>
+        </p:blipFill>
+        <p:spPr>
+          <a:xfrm rot="10800000" flipV="1">
+            <a:off x="5497127" y="6028307"/>
+            <a:ext cx="1197746" cy="1197746"/>
+          </a:xfrm>
+          <a:prstGeom prst="rect">
+            <a:avLst/>
+          </a:prstGeom>
+        </p:spPr>
+      </p:pic>
+      <p:sp>
+        <p:nvSpPr>
+          <p:cNvPr id="7" name="正方形/長方形 6"/>
+          <p:cNvSpPr/>
+          <p:nvPr/>
+        </p:nvSpPr>
+        <p:spPr>
+          <a:xfrm>
+            <a:off x="0" y="807340"/>
+            <a:ext cx="12192000" cy="896645"/>
+          </a:xfrm>
+          <a:prstGeom prst="rect">
+            <a:avLst/>
+          </a:prstGeom>
+          <a:solidFill>
+            <a:schemeClr val="accent4">
+              <a:lumMod val="50000"/>
+            </a:schemeClr>
+          </a:solidFill>
+        </p:spPr>
+        <p:style>
+          <a:lnRef idx="2">
+            <a:schemeClr val="accent1">
+              <a:shade val="50000"/>
+            </a:schemeClr>
+          </a:lnRef>
+          <a:fillRef idx="1">
+            <a:schemeClr val="accent1"/>
+          </a:fillRef>
+          <a:effectRef idx="0">
+            <a:schemeClr val="accent1"/>
+          </a:effectRef>
+          <a:fontRef idx="minor">
+            <a:schemeClr val="lt1"/>
+          </a:fontRef>
+        </p:style>
+        <p:txBody>
+          <a:bodyPr rtlCol="0" anchor="ctr"/>
+          <a:lstStyle/>
+          <a:p>
+            <a:pPr algn="ctr"/>
+            <a:endParaRPr kumimoji="1" lang="ja-JP" altLang="en-US"/>
+          </a:p>
+        </p:txBody>
+      </p:sp>
+      <p:pic>
+        <p:nvPicPr>
+          <p:cNvPr id="6" name="図 5"/>
+          <p:cNvPicPr>
+            <a:picLocks noChangeAspect="1"/>
+          </p:cNvPicPr>
+          <p:nvPr/>
+        </p:nvPicPr>
+        <p:blipFill>
+          <a:blip r:embed="rId2">
+            <a:extLst>
+              <a:ext uri="{28A0092B-C50C-407E-A947-70E740481C1C}">
+                <a14:useLocalDpi xmlns:a14="http://schemas.microsoft.com/office/drawing/2010/main" val="0"/>
+              </a:ext>
+            </a:extLst>
+          </a:blip>
+          <a:stretch>
+            <a:fillRect/>
+          </a:stretch>
+        </p:blipFill>
+        <p:spPr>
+          <a:xfrm rot="10800000">
+            <a:off x="4299380" y="701362"/>
+            <a:ext cx="1197746" cy="1197746"/>
+          </a:xfrm>
+          <a:prstGeom prst="rect">
+            <a:avLst/>
+          </a:prstGeom>
+        </p:spPr>
+      </p:pic>
+      <p:sp>
+        <p:nvSpPr>
+          <p:cNvPr id="2" name="テキスト ボックス 1"/>
+          <p:cNvSpPr txBox="1"/>
+          <p:nvPr/>
+        </p:nvSpPr>
+        <p:spPr>
+          <a:xfrm>
+            <a:off x="284085" y="239697"/>
+            <a:ext cx="1837678" cy="461665"/>
+          </a:xfrm>
+          <a:prstGeom prst="rect">
+            <a:avLst/>
+          </a:prstGeom>
+          <a:noFill/>
+        </p:spPr>
+        <p:txBody>
+          <a:bodyPr wrap="square" rtlCol="0">
+            <a:spAutoFit/>
+          </a:bodyPr>
+          <a:lstStyle/>
+          <a:p>
+            <a:r>
+              <a:rPr kumimoji="1" lang="ja-JP" altLang="en-US" sz="2400" dirty="0" smtClean="0"/>
+              <a:t>ステージ２</a:t>
+            </a:r>
+            <a:endParaRPr kumimoji="1" lang="ja-JP" altLang="en-US" sz="2400" dirty="0"/>
+          </a:p>
+        </p:txBody>
+      </p:sp>
+      <p:pic>
+        <p:nvPicPr>
+          <p:cNvPr id="8" name="図 7"/>
+          <p:cNvPicPr>
+            <a:picLocks noChangeAspect="1"/>
+          </p:cNvPicPr>
+          <p:nvPr/>
+        </p:nvPicPr>
+        <p:blipFill>
+          <a:blip r:embed="rId3">
+            <a:extLst>
+              <a:ext uri="{28A0092B-C50C-407E-A947-70E740481C1C}">
+                <a14:useLocalDpi xmlns:a14="http://schemas.microsoft.com/office/drawing/2010/main" val="0"/>
+              </a:ext>
+            </a:extLst>
+          </a:blip>
+          <a:stretch>
+            <a:fillRect/>
+          </a:stretch>
+        </p:blipFill>
+        <p:spPr>
+          <a:xfrm>
+            <a:off x="4182120" y="1899108"/>
+            <a:ext cx="1641629" cy="1641629"/>
+          </a:xfrm>
+          <a:prstGeom prst="rect">
+            <a:avLst/>
+          </a:prstGeom>
+        </p:spPr>
+      </p:pic>
+      <p:pic>
+        <p:nvPicPr>
+          <p:cNvPr id="9" name="図 8"/>
+          <p:cNvPicPr>
+            <a:picLocks noChangeAspect="1"/>
+          </p:cNvPicPr>
+          <p:nvPr/>
+        </p:nvPicPr>
+        <p:blipFill>
+          <a:blip r:embed="rId3">
+            <a:extLst>
+              <a:ext uri="{28A0092B-C50C-407E-A947-70E740481C1C}">
+                <a14:useLocalDpi xmlns:a14="http://schemas.microsoft.com/office/drawing/2010/main" val="0"/>
+              </a:ext>
+            </a:extLst>
+          </a:blip>
+          <a:stretch>
+            <a:fillRect/>
+          </a:stretch>
+        </p:blipFill>
+        <p:spPr>
+          <a:xfrm flipV="1">
+            <a:off x="5275184" y="4537229"/>
+            <a:ext cx="1641629" cy="1641629"/>
+          </a:xfrm>
+          <a:prstGeom prst="rect">
+            <a:avLst/>
+          </a:prstGeom>
+        </p:spPr>
+      </p:pic>
+      <p:pic>
+        <p:nvPicPr>
+          <p:cNvPr id="10" name="図 9"/>
+          <p:cNvPicPr>
+            <a:picLocks noChangeAspect="1"/>
+          </p:cNvPicPr>
+          <p:nvPr/>
+        </p:nvPicPr>
+        <p:blipFill>
+          <a:blip r:embed="rId4">
+            <a:extLst>
+              <a:ext uri="{28A0092B-C50C-407E-A947-70E740481C1C}">
+                <a14:useLocalDpi xmlns:a14="http://schemas.microsoft.com/office/drawing/2010/main" val="0"/>
+              </a:ext>
+            </a:extLst>
+          </a:blip>
+          <a:stretch>
+            <a:fillRect/>
+          </a:stretch>
+        </p:blipFill>
+        <p:spPr>
+          <a:xfrm>
+            <a:off x="6827151" y="1300234"/>
+            <a:ext cx="5454511" cy="5454511"/>
+          </a:xfrm>
+          <a:prstGeom prst="rect">
+            <a:avLst/>
+          </a:prstGeom>
+        </p:spPr>
+      </p:pic>
+      <p:sp>
+        <p:nvSpPr>
+          <p:cNvPr id="11" name="テキスト ボックス 10"/>
+          <p:cNvSpPr txBox="1"/>
+          <p:nvPr/>
+        </p:nvSpPr>
+        <p:spPr>
+          <a:xfrm>
+            <a:off x="2647394" y="5098102"/>
+            <a:ext cx="2849732" cy="369332"/>
+          </a:xfrm>
+          <a:prstGeom prst="rect">
+            <a:avLst/>
+          </a:prstGeom>
+          <a:noFill/>
+        </p:spPr>
+        <p:txBody>
+          <a:bodyPr wrap="square" rtlCol="0">
+            <a:spAutoFit/>
+          </a:bodyPr>
+          <a:lstStyle/>
+          <a:p>
+            <a:r>
+              <a:rPr kumimoji="1" lang="ja-JP" altLang="en-US" dirty="0" smtClean="0"/>
+              <a:t>発射台は左右に移動する</a:t>
+            </a:r>
+            <a:endParaRPr kumimoji="1" lang="ja-JP" altLang="en-US" dirty="0"/>
+          </a:p>
+        </p:txBody>
+      </p:sp>
+    </p:spTree>
+    <p:extLst>
+      <p:ext uri="{BB962C8B-B14F-4D97-AF65-F5344CB8AC3E}">
+        <p14:creationId xmlns:p14="http://schemas.microsoft.com/office/powerpoint/2010/main" val="480994788"/>
+      </p:ext>
+    </p:extLst>
+  </p:cSld>
+  <p:clrMapOvr>
+    <a:masterClrMapping/>
+  </p:clrMapOvr>
+  <p:timing>
+    <p:tnLst>
+      <p:par>
+        <p:cTn id="1" dur="indefinite" restart="never" nodeType="tmRoot"/>
+      </p:par>
+    </p:tnLst>
+  </p:timing>
+</p:sld>
+</file>
+
+<file path=ppt/slides/slide8.xml><?xml version="1.0" encoding="utf-8"?>
+<p:sld xmlns:a="http://schemas.openxmlformats.org/drawingml/2006/main" xmlns:r="http://schemas.openxmlformats.org/officeDocument/2006/relationships" xmlns:p="http://schemas.openxmlformats.org/presentationml/2006/main">
+  <p:cSld>
+    <p:spTree>
+      <p:nvGrpSpPr>
+        <p:cNvPr id="1" name=""/>
+        <p:cNvGrpSpPr/>
+        <p:nvPr/>
+      </p:nvGrpSpPr>
+      <p:grpSpPr>
+        <a:xfrm>
+          <a:off x="0" y="0"/>
+          <a:ext cx="0" cy="0"/>
+          <a:chOff x="0" y="0"/>
+          <a:chExt cx="0" cy="0"/>
+        </a:xfrm>
+      </p:grpSpPr>
+      <p:sp>
+        <p:nvSpPr>
+          <p:cNvPr id="2" name="テキスト ボックス 1"/>
+          <p:cNvSpPr txBox="1"/>
+          <p:nvPr/>
+        </p:nvSpPr>
+        <p:spPr>
+          <a:xfrm>
+            <a:off x="284085" y="239697"/>
+            <a:ext cx="1837678" cy="461665"/>
+          </a:xfrm>
+          <a:prstGeom prst="rect">
+            <a:avLst/>
+          </a:prstGeom>
+          <a:noFill/>
+        </p:spPr>
+        <p:txBody>
+          <a:bodyPr wrap="square" rtlCol="0">
+            <a:spAutoFit/>
+          </a:bodyPr>
+          <a:lstStyle/>
+          <a:p>
+            <a:r>
+              <a:rPr kumimoji="1" lang="ja-JP" altLang="en-US" sz="2400" dirty="0" smtClean="0"/>
+              <a:t>ステージ３</a:t>
+            </a:r>
+            <a:endParaRPr kumimoji="1" lang="ja-JP" altLang="en-US" sz="2400" dirty="0"/>
+          </a:p>
+        </p:txBody>
+      </p:sp>
+      <p:sp>
+        <p:nvSpPr>
+          <p:cNvPr id="3" name="正方形/長方形 2"/>
+          <p:cNvSpPr/>
+          <p:nvPr/>
+        </p:nvSpPr>
+        <p:spPr>
+          <a:xfrm>
+            <a:off x="0" y="6178858"/>
+            <a:ext cx="12192000" cy="896645"/>
+          </a:xfrm>
+          <a:prstGeom prst="rect">
+            <a:avLst/>
+          </a:prstGeom>
+          <a:solidFill>
+            <a:schemeClr val="accent4">
+              <a:lumMod val="50000"/>
+            </a:schemeClr>
+          </a:solidFill>
+        </p:spPr>
+        <p:style>
+          <a:lnRef idx="2">
+            <a:schemeClr val="accent1">
+              <a:shade val="50000"/>
+            </a:schemeClr>
+          </a:lnRef>
+          <a:fillRef idx="1">
+            <a:schemeClr val="accent1"/>
+          </a:fillRef>
+          <a:effectRef idx="0">
+            <a:schemeClr val="accent1"/>
+          </a:effectRef>
+          <a:fontRef idx="minor">
+            <a:schemeClr val="lt1"/>
+          </a:fontRef>
+        </p:style>
+        <p:txBody>
+          <a:bodyPr rtlCol="0" anchor="ctr"/>
+          <a:lstStyle/>
+          <a:p>
+            <a:pPr algn="ctr"/>
+            <a:endParaRPr kumimoji="1" lang="ja-JP" altLang="en-US"/>
+          </a:p>
+        </p:txBody>
+      </p:sp>
+      <p:pic>
+        <p:nvPicPr>
+          <p:cNvPr id="5" name="図 4"/>
+          <p:cNvPicPr>
+            <a:picLocks noChangeAspect="1"/>
+          </p:cNvPicPr>
+          <p:nvPr/>
+        </p:nvPicPr>
+        <p:blipFill>
+          <a:blip r:embed="rId2" cstate="print">
+            <a:extLst>
+              <a:ext uri="{28A0092B-C50C-407E-A947-70E740481C1C}">
+                <a14:useLocalDpi xmlns:a14="http://schemas.microsoft.com/office/drawing/2010/main" val="0"/>
+              </a:ext>
+            </a:extLst>
+          </a:blip>
+          <a:stretch>
+            <a:fillRect/>
+          </a:stretch>
+        </p:blipFill>
+        <p:spPr>
+          <a:xfrm>
+            <a:off x="704587" y="2726688"/>
+            <a:ext cx="3811187" cy="381118"/>
+          </a:xfrm>
+          <a:prstGeom prst="rect">
+            <a:avLst/>
+          </a:prstGeom>
+        </p:spPr>
+      </p:pic>
+      <p:sp>
+        <p:nvSpPr>
+          <p:cNvPr id="4" name="正方形/長方形 3"/>
+          <p:cNvSpPr/>
+          <p:nvPr/>
+        </p:nvSpPr>
+        <p:spPr>
+          <a:xfrm>
+            <a:off x="4515774" y="1233996"/>
+            <a:ext cx="3160451" cy="914400"/>
+          </a:xfrm>
+          <a:prstGeom prst="rect">
+            <a:avLst/>
+          </a:prstGeom>
+        </p:spPr>
+        <p:style>
+          <a:lnRef idx="2">
+            <a:schemeClr val="accent1">
+              <a:shade val="50000"/>
+            </a:schemeClr>
+          </a:lnRef>
+          <a:fillRef idx="1">
+            <a:schemeClr val="accent1"/>
+          </a:fillRef>
+          <a:effectRef idx="0">
+            <a:schemeClr val="accent1"/>
+          </a:effectRef>
+          <a:fontRef idx="minor">
+            <a:schemeClr val="lt1"/>
+          </a:fontRef>
+        </p:style>
+        <p:txBody>
+          <a:bodyPr rtlCol="0" anchor="ctr"/>
+          <a:lstStyle/>
+          <a:p>
+            <a:pPr algn="ctr"/>
+            <a:endParaRPr kumimoji="1" lang="ja-JP" altLang="en-US"/>
+          </a:p>
+        </p:txBody>
+      </p:sp>
+      <p:pic>
+        <p:nvPicPr>
+          <p:cNvPr id="6" name="図 5"/>
+          <p:cNvPicPr>
+            <a:picLocks noChangeAspect="1"/>
+          </p:cNvPicPr>
+          <p:nvPr/>
+        </p:nvPicPr>
+        <p:blipFill rotWithShape="1">
+          <a:blip r:embed="rId3">
+            <a:extLst>
+              <a:ext uri="{28A0092B-C50C-407E-A947-70E740481C1C}">
+                <a14:useLocalDpi xmlns:a14="http://schemas.microsoft.com/office/drawing/2010/main" val="0"/>
+              </a:ext>
+            </a:extLst>
+          </a:blip>
+          <a:srcRect l="91452" t="25972" r="4876" b="-19176"/>
+          <a:stretch/>
+        </p:blipFill>
+        <p:spPr>
+          <a:xfrm>
+            <a:off x="5514511" y="239697"/>
+            <a:ext cx="1162975" cy="1283278"/>
+          </a:xfrm>
+          <a:prstGeom prst="rect">
+            <a:avLst/>
+          </a:prstGeom>
+        </p:spPr>
+      </p:pic>
+      <p:pic>
+        <p:nvPicPr>
+          <p:cNvPr id="7" name="図 6"/>
+          <p:cNvPicPr>
+            <a:picLocks noChangeAspect="1"/>
+          </p:cNvPicPr>
+          <p:nvPr/>
+        </p:nvPicPr>
+        <p:blipFill>
+          <a:blip r:embed="rId2" cstate="print">
+            <a:extLst>
+              <a:ext uri="{28A0092B-C50C-407E-A947-70E740481C1C}">
+                <a14:useLocalDpi xmlns:a14="http://schemas.microsoft.com/office/drawing/2010/main" val="0"/>
+              </a:ext>
+            </a:extLst>
+          </a:blip>
+          <a:stretch>
+            <a:fillRect/>
+          </a:stretch>
+        </p:blipFill>
+        <p:spPr>
+          <a:xfrm>
+            <a:off x="7676225" y="4182004"/>
+            <a:ext cx="3811187" cy="381118"/>
+          </a:xfrm>
+          <a:prstGeom prst="rect">
+            <a:avLst/>
+          </a:prstGeom>
+        </p:spPr>
+      </p:pic>
+      <p:pic>
+        <p:nvPicPr>
+          <p:cNvPr id="8" name="図 7"/>
+          <p:cNvPicPr>
+            <a:picLocks noChangeAspect="1"/>
+          </p:cNvPicPr>
+          <p:nvPr/>
+        </p:nvPicPr>
+        <p:blipFill rotWithShape="1">
+          <a:blip r:embed="rId4">
+            <a:extLst>
+              <a:ext uri="{28A0092B-C50C-407E-A947-70E740481C1C}">
+                <a14:useLocalDpi xmlns:a14="http://schemas.microsoft.com/office/drawing/2010/main" val="0"/>
+              </a:ext>
+            </a:extLst>
+          </a:blip>
+          <a:srcRect l="-353" t="-790" r="48564" b="790"/>
+          <a:stretch/>
+        </p:blipFill>
+        <p:spPr>
+          <a:xfrm>
+            <a:off x="5822072" y="3370235"/>
+            <a:ext cx="547852" cy="528928"/>
+          </a:xfrm>
+          <a:prstGeom prst="rect">
+            <a:avLst/>
+          </a:prstGeom>
+        </p:spPr>
+      </p:pic>
+    </p:spTree>
+    <p:extLst>
+      <p:ext uri="{BB962C8B-B14F-4D97-AF65-F5344CB8AC3E}">
+        <p14:creationId xmlns:p14="http://schemas.microsoft.com/office/powerpoint/2010/main" val="1573863366"/>
+      </p:ext>
+    </p:extLst>
+  </p:cSld>
+  <p:clrMapOvr>
+    <a:masterClrMapping/>
+  </p:clrMapOvr>
+  <p:timing>
+    <p:tnLst>
+      <p:par>
+        <p:cTn id="1" dur="indefinite" restart="never" nodeType="tmRoot"/>
+      </p:par>
+    </p:tnLst>
+  </p:timing>
 </p:sld>
 </file>
 
